--- a/Технологии и модели управления проектами  в программных системах.pptx
+++ b/Технологии и модели управления проектами  в программных системах.pptx
@@ -3519,10 +3519,10 @@
       </p:sp>
       <p:pic>
         <p:nvPicPr>
-          <p:cNvPr id="4" name="Рисунок 3">
+          <p:cNvPr id="2" name="Рисунок 1">
             <a:extLst>
               <a:ext uri="{FF2B5EF4-FFF2-40B4-BE49-F238E27FC236}">
-                <a16:creationId xmlns:a16="http://schemas.microsoft.com/office/drawing/2014/main" id="{4FDE4719-AEF7-416E-89AD-0302C0289036}"/>
+                <a16:creationId xmlns:a16="http://schemas.microsoft.com/office/drawing/2014/main" id="{7C9A4AF7-EB87-4BA6-A19A-A01AA777BADC}"/>
               </a:ext>
             </a:extLst>
           </p:cNvPr>
@@ -3539,8 +3539,8 @@
         </p:blipFill>
         <p:spPr>
           <a:xfrm>
-            <a:off x="6782628" y="150718"/>
-            <a:ext cx="4494971" cy="6531059"/>
+            <a:off x="6172202" y="20057"/>
+            <a:ext cx="4686580" cy="6817885"/>
           </a:xfrm>
           <a:prstGeom prst="rect">
             <a:avLst/>
